--- a/ppt/data_visualization.pptx
+++ b/ppt/data_visualization.pptx
@@ -5,7 +5,7 @@
     <p:sldMasterId id="2147483689" r:id="rId1"/>
   </p:sldMasterIdLst>
   <p:notesMasterIdLst>
-    <p:notesMasterId r:id="rId18"/>
+    <p:notesMasterId r:id="rId13"/>
   </p:notesMasterIdLst>
   <p:sldIdLst>
     <p:sldId id="256" r:id="rId2"/>
@@ -17,13 +17,8 @@
     <p:sldId id="268" r:id="rId8"/>
     <p:sldId id="270" r:id="rId9"/>
     <p:sldId id="271" r:id="rId10"/>
-    <p:sldId id="273" r:id="rId11"/>
-    <p:sldId id="272" r:id="rId12"/>
-    <p:sldId id="263" r:id="rId13"/>
-    <p:sldId id="261" r:id="rId14"/>
-    <p:sldId id="260" r:id="rId15"/>
-    <p:sldId id="259" r:id="rId16"/>
-    <p:sldId id="262" r:id="rId17"/>
+    <p:sldId id="259" r:id="rId11"/>
+    <p:sldId id="263" r:id="rId12"/>
   </p:sldIdLst>
   <p:sldSz cx="12192000" cy="6858000"/>
   <p:notesSz cx="6858000" cy="9144000"/>
@@ -1949,7 +1944,7 @@
           </a:pPr>
           <a:r>
             <a:rPr lang="en-US" dirty="0"/>
-            <a:t>Data visualization using Python </a:t>
+            <a:t>Data visualization using Excel &amp; Python </a:t>
           </a:r>
         </a:p>
       </dgm:t>
@@ -3957,7 +3952,7 @@
           </a:pPr>
           <a:r>
             <a:rPr lang="en-US" sz="2200" kern="1200" dirty="0"/>
-            <a:t>Data visualization using Python </a:t>
+            <a:t>Data visualization using Excel &amp; Python </a:t>
           </a:r>
         </a:p>
       </dsp:txBody>
@@ -7367,7 +7362,7 @@
           <a:p>
             <a:fld id="{5A980F5B-9818-4F2D-8A32-4C498010FD05}" type="datetimeFigureOut">
               <a:rPr lang="en-US" smtClean="0"/>
-              <a:t>17-Aug-21</a:t>
+              <a:t>22-Aug-21</a:t>
             </a:fld>
             <a:endParaRPr lang="en-US"/>
           </a:p>
@@ -7952,7 +7947,7 @@
           <a:p>
             <a:fld id="{241051FF-6037-4B91-A53A-52FDB0470E47}" type="datetimeFigureOut">
               <a:rPr lang="en-US" smtClean="0"/>
-              <a:t>17-Aug-21</a:t>
+              <a:t>22-Aug-21</a:t>
             </a:fld>
             <a:endParaRPr lang="en-US"/>
           </a:p>
@@ -8150,7 +8145,7 @@
           <a:p>
             <a:fld id="{241051FF-6037-4B91-A53A-52FDB0470E47}" type="datetimeFigureOut">
               <a:rPr lang="en-US" smtClean="0"/>
-              <a:t>17-Aug-21</a:t>
+              <a:t>22-Aug-21</a:t>
             </a:fld>
             <a:endParaRPr lang="en-US"/>
           </a:p>
@@ -8358,7 +8353,7 @@
           <a:p>
             <a:fld id="{241051FF-6037-4B91-A53A-52FDB0470E47}" type="datetimeFigureOut">
               <a:rPr lang="en-US" smtClean="0"/>
-              <a:t>17-Aug-21</a:t>
+              <a:t>22-Aug-21</a:t>
             </a:fld>
             <a:endParaRPr lang="en-US"/>
           </a:p>
@@ -8556,7 +8551,7 @@
           <a:p>
             <a:fld id="{241051FF-6037-4B91-A53A-52FDB0470E47}" type="datetimeFigureOut">
               <a:rPr lang="en-US" smtClean="0"/>
-              <a:t>17-Aug-21</a:t>
+              <a:t>22-Aug-21</a:t>
             </a:fld>
             <a:endParaRPr lang="en-US"/>
           </a:p>
@@ -8831,7 +8826,7 @@
           <a:p>
             <a:fld id="{241051FF-6037-4B91-A53A-52FDB0470E47}" type="datetimeFigureOut">
               <a:rPr lang="en-US" smtClean="0"/>
-              <a:t>17-Aug-21</a:t>
+              <a:t>22-Aug-21</a:t>
             </a:fld>
             <a:endParaRPr lang="en-US"/>
           </a:p>
@@ -9096,7 +9091,7 @@
           <a:p>
             <a:fld id="{241051FF-6037-4B91-A53A-52FDB0470E47}" type="datetimeFigureOut">
               <a:rPr lang="en-US" smtClean="0"/>
-              <a:t>17-Aug-21</a:t>
+              <a:t>22-Aug-21</a:t>
             </a:fld>
             <a:endParaRPr lang="en-US"/>
           </a:p>
@@ -9508,7 +9503,7 @@
           <a:p>
             <a:fld id="{241051FF-6037-4B91-A53A-52FDB0470E47}" type="datetimeFigureOut">
               <a:rPr lang="en-US" smtClean="0"/>
-              <a:t>17-Aug-21</a:t>
+              <a:t>22-Aug-21</a:t>
             </a:fld>
             <a:endParaRPr lang="en-US"/>
           </a:p>
@@ -9649,7 +9644,7 @@
           <a:p>
             <a:fld id="{241051FF-6037-4B91-A53A-52FDB0470E47}" type="datetimeFigureOut">
               <a:rPr lang="en-US" smtClean="0"/>
-              <a:t>17-Aug-21</a:t>
+              <a:t>22-Aug-21</a:t>
             </a:fld>
             <a:endParaRPr lang="en-US"/>
           </a:p>
@@ -9762,7 +9757,7 @@
           <a:p>
             <a:fld id="{241051FF-6037-4B91-A53A-52FDB0470E47}" type="datetimeFigureOut">
               <a:rPr lang="en-US" smtClean="0"/>
-              <a:t>17-Aug-21</a:t>
+              <a:t>22-Aug-21</a:t>
             </a:fld>
             <a:endParaRPr lang="en-US"/>
           </a:p>
@@ -10073,7 +10068,7 @@
           <a:p>
             <a:fld id="{241051FF-6037-4B91-A53A-52FDB0470E47}" type="datetimeFigureOut">
               <a:rPr lang="en-US" smtClean="0"/>
-              <a:t>17-Aug-21</a:t>
+              <a:t>22-Aug-21</a:t>
             </a:fld>
             <a:endParaRPr lang="en-US"/>
           </a:p>
@@ -10361,7 +10356,7 @@
           <a:p>
             <a:fld id="{241051FF-6037-4B91-A53A-52FDB0470E47}" type="datetimeFigureOut">
               <a:rPr lang="en-US" smtClean="0"/>
-              <a:t>17-Aug-21</a:t>
+              <a:t>22-Aug-21</a:t>
             </a:fld>
             <a:endParaRPr lang="en-US"/>
           </a:p>
@@ -10602,7 +10597,7 @@
           <a:p>
             <a:fld id="{241051FF-6037-4B91-A53A-52FDB0470E47}" type="datetimeFigureOut">
               <a:rPr lang="en-US" smtClean="0"/>
-              <a:t>17-Aug-21</a:t>
+              <a:t>22-Aug-21</a:t>
             </a:fld>
             <a:endParaRPr lang="en-US"/>
           </a:p>
@@ -18177,90 +18172,40 @@
           <a:chExt cx="0" cy="0"/>
         </a:xfrm>
       </p:grpSpPr>
-      <p:sp>
-        <p:nvSpPr>
-          <p:cNvPr id="2" name="Title 1">
+      <p:pic>
+        <p:nvPicPr>
+          <p:cNvPr id="4" name="Picture 3">
             <a:extLst>
               <a:ext uri="{FF2B5EF4-FFF2-40B4-BE49-F238E27FC236}">
-                <a16:creationId xmlns:a16="http://schemas.microsoft.com/office/drawing/2014/main" id="{6649EFE0-B634-427F-A29E-709039EF014F}"/>
+                <a16:creationId xmlns:a16="http://schemas.microsoft.com/office/drawing/2014/main" id="{76268394-ED76-4B49-A230-4678FEFA5A1C}"/>
               </a:ext>
             </a:extLst>
           </p:cNvPr>
-          <p:cNvSpPr>
-            <a:spLocks noGrp="1"/>
-          </p:cNvSpPr>
-          <p:nvPr>
-            <p:ph type="title"/>
-          </p:nvPr>
-        </p:nvSpPr>
-        <p:spPr/>
-        <p:txBody>
-          <a:bodyPr/>
-          <a:lstStyle/>
-          <a:p>
-            <a:endParaRPr lang="en-US"/>
-          </a:p>
-        </p:txBody>
-      </p:sp>
-      <p:sp>
-        <p:nvSpPr>
-          <p:cNvPr id="3" name="Content Placeholder 2">
-            <a:extLst>
-              <a:ext uri="{FF2B5EF4-FFF2-40B4-BE49-F238E27FC236}">
-                <a16:creationId xmlns:a16="http://schemas.microsoft.com/office/drawing/2014/main" id="{DF5A2054-F077-4CE7-B32B-E5E5F8DB488B}"/>
-              </a:ext>
-            </a:extLst>
-          </p:cNvPr>
-          <p:cNvSpPr>
-            <a:spLocks noGrp="1"/>
-          </p:cNvSpPr>
-          <p:nvPr>
-            <p:ph idx="1"/>
-          </p:nvPr>
-        </p:nvSpPr>
-        <p:spPr/>
-        <p:txBody>
-          <a:bodyPr/>
-          <a:lstStyle/>
-          <a:p>
-            <a:r>
-              <a:rPr lang="en-US" dirty="0">
-                <a:hlinkClick r:id="rId2"/>
-              </a:rPr>
-              <a:t>https://github.com/TannerGilbert/Tutorials/tree/master/Introduction%20to%20Data%20Visualization%20in%C2%A0Python</a:t>
-            </a:r>
-            <a:endParaRPr lang="en-US" dirty="0"/>
-          </a:p>
-          <a:p>
-            <a:r>
-              <a:rPr lang="en-US" dirty="0">
-                <a:hlinkClick r:id="rId3"/>
-              </a:rPr>
-              <a:t>https://www.kaggle.com/jchen2186/machine-learning-with-iris-dataset</a:t>
-            </a:r>
-            <a:endParaRPr lang="en-US" dirty="0"/>
-          </a:p>
-          <a:p>
-            <a:r>
-              <a:rPr lang="en-US" dirty="0">
-                <a:hlinkClick r:id="rId4"/>
-              </a:rPr>
-              <a:t>https://www.kaggle.com/roshansharma/immigration-to-canada-ibm-dataset</a:t>
-            </a:r>
-            <a:endParaRPr lang="en-US" dirty="0"/>
-          </a:p>
-          <a:p>
-            <a:endParaRPr lang="en-US" dirty="0"/>
-          </a:p>
-          <a:p>
-            <a:endParaRPr lang="en-US" dirty="0"/>
-          </a:p>
-        </p:txBody>
-      </p:sp>
+          <p:cNvPicPr>
+            <a:picLocks noChangeAspect="1"/>
+          </p:cNvPicPr>
+          <p:nvPr/>
+        </p:nvPicPr>
+        <p:blipFill>
+          <a:blip r:embed="rId2"/>
+          <a:stretch>
+            <a:fillRect/>
+          </a:stretch>
+        </p:blipFill>
+        <p:spPr>
+          <a:xfrm>
+            <a:off x="1206769" y="0"/>
+            <a:ext cx="9778462" cy="6858000"/>
+          </a:xfrm>
+          <a:prstGeom prst="rect">
+            <a:avLst/>
+          </a:prstGeom>
+        </p:spPr>
+      </p:pic>
     </p:spTree>
     <p:extLst>
       <p:ext uri="{BB962C8B-B14F-4D97-AF65-F5344CB8AC3E}">
-        <p14:creationId xmlns:p14="http://schemas.microsoft.com/office/powerpoint/2010/main" val="3758314029"/>
+        <p14:creationId xmlns:p14="http://schemas.microsoft.com/office/powerpoint/2010/main" val="3588313847"/>
       </p:ext>
     </p:extLst>
   </p:cSld>
@@ -18271,132 +18216,6 @@
 </file>
 
 <file path=ppt/slides/slide11.xml><?xml version="1.0" encoding="utf-8"?>
-<p:sld xmlns:a="http://schemas.openxmlformats.org/drawingml/2006/main" xmlns:r="http://schemas.openxmlformats.org/officeDocument/2006/relationships" xmlns:p="http://schemas.openxmlformats.org/presentationml/2006/main">
-  <p:cSld>
-    <p:spTree>
-      <p:nvGrpSpPr>
-        <p:cNvPr id="1" name=""/>
-        <p:cNvGrpSpPr/>
-        <p:nvPr/>
-      </p:nvGrpSpPr>
-      <p:grpSpPr>
-        <a:xfrm>
-          <a:off x="0" y="0"/>
-          <a:ext cx="0" cy="0"/>
-          <a:chOff x="0" y="0"/>
-          <a:chExt cx="0" cy="0"/>
-        </a:xfrm>
-      </p:grpSpPr>
-      <p:sp>
-        <p:nvSpPr>
-          <p:cNvPr id="2" name="Title 1">
-            <a:extLst>
-              <a:ext uri="{FF2B5EF4-FFF2-40B4-BE49-F238E27FC236}">
-                <a16:creationId xmlns:a16="http://schemas.microsoft.com/office/drawing/2014/main" id="{393FE185-ACF2-4F30-83F7-B1DE8DF6FC5D}"/>
-              </a:ext>
-            </a:extLst>
-          </p:cNvPr>
-          <p:cNvSpPr>
-            <a:spLocks noGrp="1"/>
-          </p:cNvSpPr>
-          <p:nvPr>
-            <p:ph type="title"/>
-          </p:nvPr>
-        </p:nvSpPr>
-        <p:spPr/>
-        <p:txBody>
-          <a:bodyPr/>
-          <a:lstStyle/>
-          <a:p>
-            <a:r>
-              <a:rPr lang="en-US" dirty="0"/>
-              <a:t>SHAP </a:t>
-            </a:r>
-            <a:r>
-              <a:rPr lang="en-US"/>
-              <a:t>feature Visualization</a:t>
-            </a:r>
-            <a:endParaRPr lang="en-US" dirty="0"/>
-          </a:p>
-        </p:txBody>
-      </p:sp>
-      <p:sp>
-        <p:nvSpPr>
-          <p:cNvPr id="4" name="Content Placeholder 2">
-            <a:extLst>
-              <a:ext uri="{FF2B5EF4-FFF2-40B4-BE49-F238E27FC236}">
-                <a16:creationId xmlns:a16="http://schemas.microsoft.com/office/drawing/2014/main" id="{A1D9528D-F335-4AC2-8210-02C15A32DB68}"/>
-              </a:ext>
-            </a:extLst>
-          </p:cNvPr>
-          <p:cNvSpPr>
-            <a:spLocks noGrp="1"/>
-          </p:cNvSpPr>
-          <p:nvPr>
-            <p:ph idx="1"/>
-          </p:nvPr>
-        </p:nvSpPr>
-        <p:spPr>
-          <a:xfrm>
-            <a:off x="838200" y="1825625"/>
-            <a:ext cx="10515600" cy="4351338"/>
-          </a:xfrm>
-        </p:spPr>
-        <p:txBody>
-          <a:bodyPr/>
-          <a:lstStyle/>
-          <a:p>
-            <a:r>
-              <a:rPr lang="en-US" dirty="0"/>
-              <a:t>Access Jupyter notebook from git link</a:t>
-            </a:r>
-          </a:p>
-          <a:p>
-            <a:r>
-              <a:rPr lang="en-US" dirty="0"/>
-              <a:t>Pre-requisite to run module</a:t>
-            </a:r>
-          </a:p>
-          <a:p>
-            <a:pPr lvl="1"/>
-            <a:r>
-              <a:rPr lang="en-US" dirty="0"/>
-              <a:t>Python environment with Jupyter-notebook</a:t>
-            </a:r>
-          </a:p>
-          <a:p>
-            <a:pPr lvl="1"/>
-            <a:r>
-              <a:rPr lang="en-US" dirty="0"/>
-              <a:t>Matplotlib</a:t>
-            </a:r>
-          </a:p>
-          <a:p>
-            <a:r>
-              <a:rPr lang="en-US" dirty="0"/>
-              <a:t>Open Jupyter-notebook and open ‘’ file</a:t>
-            </a:r>
-          </a:p>
-          <a:p>
-            <a:pPr lvl="1"/>
-            <a:endParaRPr lang="en-US" dirty="0"/>
-          </a:p>
-        </p:txBody>
-      </p:sp>
-    </p:spTree>
-    <p:extLst>
-      <p:ext uri="{BB962C8B-B14F-4D97-AF65-F5344CB8AC3E}">
-        <p14:creationId xmlns:p14="http://schemas.microsoft.com/office/powerpoint/2010/main" val="2167501910"/>
-      </p:ext>
-    </p:extLst>
-  </p:cSld>
-  <p:clrMapOvr>
-    <a:masterClrMapping/>
-  </p:clrMapOvr>
-</p:sld>
-</file>
-
-<file path=ppt/slides/slide12.xml><?xml version="1.0" encoding="utf-8"?>
 <p:sld xmlns:a="http://schemas.openxmlformats.org/drawingml/2006/main" xmlns:r="http://schemas.openxmlformats.org/officeDocument/2006/relationships" xmlns:p="http://schemas.openxmlformats.org/presentationml/2006/main">
   <p:cSld>
     <p:bg>
@@ -20817,445 +20636,6 @@
 </p:sld>
 </file>
 
-<file path=ppt/slides/slide13.xml><?xml version="1.0" encoding="utf-8"?>
-<p:sld xmlns:a="http://schemas.openxmlformats.org/drawingml/2006/main" xmlns:r="http://schemas.openxmlformats.org/officeDocument/2006/relationships" xmlns:p="http://schemas.openxmlformats.org/presentationml/2006/main">
-  <p:cSld>
-    <p:spTree>
-      <p:nvGrpSpPr>
-        <p:cNvPr id="1" name=""/>
-        <p:cNvGrpSpPr/>
-        <p:nvPr/>
-      </p:nvGrpSpPr>
-      <p:grpSpPr>
-        <a:xfrm>
-          <a:off x="0" y="0"/>
-          <a:ext cx="0" cy="0"/>
-          <a:chOff x="0" y="0"/>
-          <a:chExt cx="0" cy="0"/>
-        </a:xfrm>
-      </p:grpSpPr>
-      <p:pic>
-        <p:nvPicPr>
-          <p:cNvPr id="4" name="Picture 6">
-            <a:extLst>
-              <a:ext uri="{FF2B5EF4-FFF2-40B4-BE49-F238E27FC236}">
-                <a16:creationId xmlns:a16="http://schemas.microsoft.com/office/drawing/2014/main" id="{881A6142-48E7-463B-A442-70A6AF7E1C75}"/>
-              </a:ext>
-            </a:extLst>
-          </p:cNvPr>
-          <p:cNvPicPr>
-            <a:picLocks noChangeAspect="1" noChangeArrowheads="1"/>
-          </p:cNvPicPr>
-          <p:nvPr/>
-        </p:nvPicPr>
-        <p:blipFill>
-          <a:blip r:embed="rId2">
-            <a:extLst>
-              <a:ext uri="{28A0092B-C50C-407E-A947-70E740481C1C}">
-                <a14:useLocalDpi xmlns:a14="http://schemas.microsoft.com/office/drawing/2010/main" val="0"/>
-              </a:ext>
-            </a:extLst>
-          </a:blip>
-          <a:srcRect/>
-          <a:stretch>
-            <a:fillRect/>
-          </a:stretch>
-        </p:blipFill>
-        <p:spPr bwMode="auto">
-          <a:xfrm>
-            <a:off x="2715301" y="2095129"/>
-            <a:ext cx="3214967" cy="2960703"/>
-          </a:xfrm>
-          <a:prstGeom prst="rect">
-            <a:avLst/>
-          </a:prstGeom>
-          <a:noFill/>
-          <a:extLst>
-            <a:ext uri="{909E8E84-426E-40DD-AFC4-6F175D3DCCD1}">
-              <a14:hiddenFill xmlns:a14="http://schemas.microsoft.com/office/drawing/2010/main">
-                <a:solidFill>
-                  <a:srgbClr val="FFFFFF"/>
-                </a:solidFill>
-              </a14:hiddenFill>
-            </a:ext>
-          </a:extLst>
-        </p:spPr>
-      </p:pic>
-    </p:spTree>
-    <p:extLst>
-      <p:ext uri="{BB962C8B-B14F-4D97-AF65-F5344CB8AC3E}">
-        <p14:creationId xmlns:p14="http://schemas.microsoft.com/office/powerpoint/2010/main" val="4278413723"/>
-      </p:ext>
-    </p:extLst>
-  </p:cSld>
-  <p:clrMapOvr>
-    <a:masterClrMapping/>
-  </p:clrMapOvr>
-</p:sld>
-</file>
-
-<file path=ppt/slides/slide14.xml><?xml version="1.0" encoding="utf-8"?>
-<p:sld xmlns:a="http://schemas.openxmlformats.org/drawingml/2006/main" xmlns:r="http://schemas.openxmlformats.org/officeDocument/2006/relationships" xmlns:p="http://schemas.openxmlformats.org/presentationml/2006/main">
-  <p:cSld>
-    <p:spTree>
-      <p:nvGrpSpPr>
-        <p:cNvPr id="1" name=""/>
-        <p:cNvGrpSpPr/>
-        <p:nvPr/>
-      </p:nvGrpSpPr>
-      <p:grpSpPr>
-        <a:xfrm>
-          <a:off x="0" y="0"/>
-          <a:ext cx="0" cy="0"/>
-          <a:chOff x="0" y="0"/>
-          <a:chExt cx="0" cy="0"/>
-        </a:xfrm>
-      </p:grpSpPr>
-      <p:sp>
-        <p:nvSpPr>
-          <p:cNvPr id="2" name="Title 1">
-            <a:extLst>
-              <a:ext uri="{FF2B5EF4-FFF2-40B4-BE49-F238E27FC236}">
-                <a16:creationId xmlns:a16="http://schemas.microsoft.com/office/drawing/2014/main" id="{0581E203-7804-4FAB-838A-AEE2D0F35C51}"/>
-              </a:ext>
-            </a:extLst>
-          </p:cNvPr>
-          <p:cNvSpPr>
-            <a:spLocks noGrp="1"/>
-          </p:cNvSpPr>
-          <p:nvPr>
-            <p:ph type="title"/>
-          </p:nvPr>
-        </p:nvSpPr>
-        <p:spPr/>
-        <p:txBody>
-          <a:bodyPr/>
-          <a:lstStyle/>
-          <a:p>
-            <a:endParaRPr lang="en-US"/>
-          </a:p>
-        </p:txBody>
-      </p:sp>
-      <p:sp>
-        <p:nvSpPr>
-          <p:cNvPr id="3" name="Content Placeholder 2">
-            <a:extLst>
-              <a:ext uri="{FF2B5EF4-FFF2-40B4-BE49-F238E27FC236}">
-                <a16:creationId xmlns:a16="http://schemas.microsoft.com/office/drawing/2014/main" id="{8A33390D-531D-4B2F-BB49-83F25C024E0D}"/>
-              </a:ext>
-            </a:extLst>
-          </p:cNvPr>
-          <p:cNvSpPr>
-            <a:spLocks noGrp="1"/>
-          </p:cNvSpPr>
-          <p:nvPr>
-            <p:ph idx="1"/>
-          </p:nvPr>
-        </p:nvSpPr>
-        <p:spPr/>
-        <p:txBody>
-          <a:bodyPr/>
-          <a:lstStyle/>
-          <a:p>
-            <a:r>
-              <a:rPr lang="en-US" dirty="0"/>
-              <a:t>In general, there are two different types of data visualization: exploration, which helps find a story the data is telling you, and an explanation, which tells a story to an audience. Both types of data visualization must consider the audience’s expectations.</a:t>
-            </a:r>
-          </a:p>
-          <a:p>
-            <a:r>
-              <a:rPr lang="en-US" dirty="0"/>
-              <a:t>most common types of data visualization that fall under the 2D area, temporal, multidimensional, hierarchical, and network categories</a:t>
-            </a:r>
-          </a:p>
-          <a:p>
-            <a:r>
-              <a:rPr lang="en-US" dirty="0"/>
-              <a:t>Choosing the right type of visualization depends on what you need to show (comparison, distribution, composition, or relationship), how much detail the audience needs, and what information the audience needs in order to be successful.</a:t>
-            </a:r>
-          </a:p>
-        </p:txBody>
-      </p:sp>
-    </p:spTree>
-    <p:extLst>
-      <p:ext uri="{BB962C8B-B14F-4D97-AF65-F5344CB8AC3E}">
-        <p14:creationId xmlns:p14="http://schemas.microsoft.com/office/powerpoint/2010/main" val="1267109971"/>
-      </p:ext>
-    </p:extLst>
-  </p:cSld>
-  <p:clrMapOvr>
-    <a:masterClrMapping/>
-  </p:clrMapOvr>
-</p:sld>
-</file>
-
-<file path=ppt/slides/slide15.xml><?xml version="1.0" encoding="utf-8"?>
-<p:sld xmlns:a="http://schemas.openxmlformats.org/drawingml/2006/main" xmlns:r="http://schemas.openxmlformats.org/officeDocument/2006/relationships" xmlns:p="http://schemas.openxmlformats.org/presentationml/2006/main">
-  <p:cSld>
-    <p:spTree>
-      <p:nvGrpSpPr>
-        <p:cNvPr id="1" name=""/>
-        <p:cNvGrpSpPr/>
-        <p:nvPr/>
-      </p:nvGrpSpPr>
-      <p:grpSpPr>
-        <a:xfrm>
-          <a:off x="0" y="0"/>
-          <a:ext cx="0" cy="0"/>
-          <a:chOff x="0" y="0"/>
-          <a:chExt cx="0" cy="0"/>
-        </a:xfrm>
-      </p:grpSpPr>
-      <p:pic>
-        <p:nvPicPr>
-          <p:cNvPr id="4" name="Picture 3">
-            <a:extLst>
-              <a:ext uri="{FF2B5EF4-FFF2-40B4-BE49-F238E27FC236}">
-                <a16:creationId xmlns:a16="http://schemas.microsoft.com/office/drawing/2014/main" id="{76268394-ED76-4B49-A230-4678FEFA5A1C}"/>
-              </a:ext>
-            </a:extLst>
-          </p:cNvPr>
-          <p:cNvPicPr>
-            <a:picLocks noChangeAspect="1"/>
-          </p:cNvPicPr>
-          <p:nvPr/>
-        </p:nvPicPr>
-        <p:blipFill>
-          <a:blip r:embed="rId2"/>
-          <a:stretch>
-            <a:fillRect/>
-          </a:stretch>
-        </p:blipFill>
-        <p:spPr>
-          <a:xfrm>
-            <a:off x="1206769" y="0"/>
-            <a:ext cx="9778462" cy="6858000"/>
-          </a:xfrm>
-          <a:prstGeom prst="rect">
-            <a:avLst/>
-          </a:prstGeom>
-        </p:spPr>
-      </p:pic>
-    </p:spTree>
-    <p:extLst>
-      <p:ext uri="{BB962C8B-B14F-4D97-AF65-F5344CB8AC3E}">
-        <p14:creationId xmlns:p14="http://schemas.microsoft.com/office/powerpoint/2010/main" val="3588313847"/>
-      </p:ext>
-    </p:extLst>
-  </p:cSld>
-  <p:clrMapOvr>
-    <a:masterClrMapping/>
-  </p:clrMapOvr>
-</p:sld>
-</file>
-
-<file path=ppt/slides/slide16.xml><?xml version="1.0" encoding="utf-8"?>
-<p:sld xmlns:a="http://schemas.openxmlformats.org/drawingml/2006/main" xmlns:r="http://schemas.openxmlformats.org/officeDocument/2006/relationships" xmlns:p="http://schemas.openxmlformats.org/presentationml/2006/main">
-  <p:cSld>
-    <p:spTree>
-      <p:nvGrpSpPr>
-        <p:cNvPr id="1" name=""/>
-        <p:cNvGrpSpPr/>
-        <p:nvPr/>
-      </p:nvGrpSpPr>
-      <p:grpSpPr>
-        <a:xfrm>
-          <a:off x="0" y="0"/>
-          <a:ext cx="0" cy="0"/>
-          <a:chOff x="0" y="0"/>
-          <a:chExt cx="0" cy="0"/>
-        </a:xfrm>
-      </p:grpSpPr>
-      <p:sp>
-        <p:nvSpPr>
-          <p:cNvPr id="7" name="TextBox 6">
-            <a:extLst>
-              <a:ext uri="{FF2B5EF4-FFF2-40B4-BE49-F238E27FC236}">
-                <a16:creationId xmlns:a16="http://schemas.microsoft.com/office/drawing/2014/main" id="{B1F5E6F6-6DA9-41CA-AE24-42914AD8AECA}"/>
-              </a:ext>
-            </a:extLst>
-          </p:cNvPr>
-          <p:cNvSpPr txBox="1"/>
-          <p:nvPr/>
-        </p:nvSpPr>
-        <p:spPr>
-          <a:xfrm>
-            <a:off x="1351625" y="4647434"/>
-            <a:ext cx="6094520" cy="2308324"/>
-          </a:xfrm>
-          <a:prstGeom prst="rect">
-            <a:avLst/>
-          </a:prstGeom>
-          <a:noFill/>
-        </p:spPr>
-        <p:txBody>
-          <a:bodyPr wrap="square">
-            <a:spAutoFit/>
-          </a:bodyPr>
-          <a:lstStyle/>
-          <a:p>
-            <a:r>
-              <a:rPr lang="en-US" sz="1800" b="0" i="0" dirty="0">
-                <a:effectLst/>
-                <a:latin typeface="PT Sans"/>
-              </a:rPr>
-              <a:t>most common types of data visualization that fall under the 2D area, temporal, multidimensional, hierarchical, and network categories</a:t>
-            </a:r>
-          </a:p>
-          <a:p>
-            <a:r>
-              <a:rPr lang="en-US" sz="1800" i="0" dirty="0">
-                <a:effectLst/>
-                <a:latin typeface="charter"/>
-              </a:rPr>
-              <a:t>Data Types are an important concept of statistics, which needs to be understood, to correctly apply statistical measurements to your data and therefore to correctly conclude certain assumptions about it. </a:t>
-            </a:r>
-          </a:p>
-          <a:p>
-            <a:endParaRPr lang="en-US" sz="1800" b="0" i="0" dirty="0">
-              <a:effectLst/>
-              <a:latin typeface="PT Sans"/>
-            </a:endParaRPr>
-          </a:p>
-        </p:txBody>
-      </p:sp>
-      <p:sp>
-        <p:nvSpPr>
-          <p:cNvPr id="8" name="TextBox 7">
-            <a:extLst>
-              <a:ext uri="{FF2B5EF4-FFF2-40B4-BE49-F238E27FC236}">
-                <a16:creationId xmlns:a16="http://schemas.microsoft.com/office/drawing/2014/main" id="{FBE8D812-DCCD-44ED-86D6-72F5C5E8103F}"/>
-              </a:ext>
-            </a:extLst>
-          </p:cNvPr>
-          <p:cNvSpPr txBox="1"/>
-          <p:nvPr/>
-        </p:nvSpPr>
-        <p:spPr>
-          <a:xfrm>
-            <a:off x="1145841" y="1360147"/>
-            <a:ext cx="3429000" cy="3410712"/>
-          </a:xfrm>
-          <a:prstGeom prst="rect">
-            <a:avLst/>
-          </a:prstGeom>
-        </p:spPr>
-        <p:txBody>
-          <a:bodyPr vert="horz" lIns="91440" tIns="45720" rIns="91440" bIns="45720" rtlCol="0" anchor="t">
-            <a:normAutofit/>
-          </a:bodyPr>
-          <a:lstStyle/>
-          <a:p>
-            <a:pPr indent="-228600">
-              <a:lnSpc>
-                <a:spcPct val="90000"/>
-              </a:lnSpc>
-              <a:spcAft>
-                <a:spcPts val="600"/>
-              </a:spcAft>
-              <a:buFont typeface="Arial" panose="020B0604020202020204" pitchFamily="34" charset="0"/>
-              <a:buChar char="•"/>
-            </a:pPr>
-            <a:r>
-              <a:rPr lang="en-US" sz="2200" dirty="0"/>
-              <a:t>1D - Linear</a:t>
-            </a:r>
-          </a:p>
-          <a:p>
-            <a:pPr indent="-228600">
-              <a:lnSpc>
-                <a:spcPct val="90000"/>
-              </a:lnSpc>
-              <a:spcAft>
-                <a:spcPts val="600"/>
-              </a:spcAft>
-              <a:buFont typeface="Arial" panose="020B0604020202020204" pitchFamily="34" charset="0"/>
-              <a:buChar char="•"/>
-            </a:pPr>
-            <a:r>
-              <a:rPr lang="en-US" sz="2200" dirty="0"/>
-              <a:t>2D - Planar</a:t>
-            </a:r>
-          </a:p>
-          <a:p>
-            <a:pPr indent="-228600">
-              <a:lnSpc>
-                <a:spcPct val="90000"/>
-              </a:lnSpc>
-              <a:spcAft>
-                <a:spcPts val="600"/>
-              </a:spcAft>
-              <a:buFont typeface="Arial" panose="020B0604020202020204" pitchFamily="34" charset="0"/>
-              <a:buChar char="•"/>
-            </a:pPr>
-            <a:r>
-              <a:rPr lang="en-US" sz="2200" dirty="0"/>
-              <a:t>3D - Volumetric</a:t>
-            </a:r>
-          </a:p>
-          <a:p>
-            <a:pPr indent="-228600">
-              <a:lnSpc>
-                <a:spcPct val="90000"/>
-              </a:lnSpc>
-              <a:spcAft>
-                <a:spcPts val="600"/>
-              </a:spcAft>
-              <a:buFont typeface="Arial" panose="020B0604020202020204" pitchFamily="34" charset="0"/>
-              <a:buChar char="•"/>
-            </a:pPr>
-            <a:r>
-              <a:rPr lang="en-US" sz="2200" dirty="0"/>
-              <a:t>Temporal</a:t>
-            </a:r>
-          </a:p>
-          <a:p>
-            <a:pPr indent="-228600">
-              <a:lnSpc>
-                <a:spcPct val="90000"/>
-              </a:lnSpc>
-              <a:spcAft>
-                <a:spcPts val="600"/>
-              </a:spcAft>
-              <a:buFont typeface="Arial" panose="020B0604020202020204" pitchFamily="34" charset="0"/>
-              <a:buChar char="•"/>
-            </a:pPr>
-            <a:r>
-              <a:rPr lang="en-US" sz="2200" dirty="0"/>
-              <a:t>Multidimensional</a:t>
-            </a:r>
-          </a:p>
-          <a:p>
-            <a:pPr indent="-228600">
-              <a:lnSpc>
-                <a:spcPct val="90000"/>
-              </a:lnSpc>
-              <a:spcAft>
-                <a:spcPts val="600"/>
-              </a:spcAft>
-              <a:buFont typeface="Arial" panose="020B0604020202020204" pitchFamily="34" charset="0"/>
-              <a:buChar char="•"/>
-            </a:pPr>
-            <a:r>
-              <a:rPr lang="en-US" sz="2200" dirty="0"/>
-              <a:t>Tree/Hierarchical</a:t>
-            </a:r>
-          </a:p>
-        </p:txBody>
-      </p:sp>
-    </p:spTree>
-    <p:extLst>
-      <p:ext uri="{BB962C8B-B14F-4D97-AF65-F5344CB8AC3E}">
-        <p14:creationId xmlns:p14="http://schemas.microsoft.com/office/powerpoint/2010/main" val="3546782202"/>
-      </p:ext>
-    </p:extLst>
-  </p:cSld>
-  <p:clrMapOvr>
-    <a:masterClrMapping/>
-  </p:clrMapOvr>
-</p:sld>
-</file>
-
 <file path=ppt/slides/slide2.xml><?xml version="1.0" encoding="utf-8"?>
 <p:sld xmlns:a="http://schemas.openxmlformats.org/drawingml/2006/main" xmlns:r="http://schemas.openxmlformats.org/officeDocument/2006/relationships" xmlns:p="http://schemas.openxmlformats.org/presentationml/2006/main">
   <p:cSld>
@@ -21392,7 +20772,7 @@
             <p:ph idx="1"/>
             <p:extLst>
               <p:ext uri="{D42A27DB-BD31-4B8C-83A1-F6EECF244321}">
-                <p14:modId xmlns:p14="http://schemas.microsoft.com/office/powerpoint/2010/main" val="3228149532"/>
+                <p14:modId xmlns:p14="http://schemas.microsoft.com/office/powerpoint/2010/main" val="2525154791"/>
               </p:ext>
             </p:extLst>
           </p:nvPr>
@@ -25674,109 +25054,98 @@
       </p:sp>
       <p:sp>
         <p:nvSpPr>
-          <p:cNvPr id="7" name="Rectangle 6">
+          <p:cNvPr id="6" name="TextBox 5">
             <a:extLst>
               <a:ext uri="{FF2B5EF4-FFF2-40B4-BE49-F238E27FC236}">
-                <a16:creationId xmlns:a16="http://schemas.microsoft.com/office/drawing/2014/main" id="{70D4EC4B-A23E-4811-862C-0E5DAC705E1A}"/>
+                <a16:creationId xmlns:a16="http://schemas.microsoft.com/office/drawing/2014/main" id="{BFCE128B-269E-4A08-A72D-5C3C2C671E43}"/>
               </a:ext>
             </a:extLst>
           </p:cNvPr>
-          <p:cNvSpPr/>
+          <p:cNvSpPr txBox="1"/>
           <p:nvPr/>
         </p:nvSpPr>
         <p:spPr>
           <a:xfrm>
-            <a:off x="1127464" y="2032986"/>
-            <a:ext cx="3204839" cy="3293616"/>
+            <a:off x="1236214" y="1843881"/>
+            <a:ext cx="6292049" cy="1754326"/>
           </a:xfrm>
           <a:prstGeom prst="rect">
             <a:avLst/>
           </a:prstGeom>
           <a:noFill/>
-          <a:ln w="76200" cap="flat" cmpd="sng" algn="ctr">
-            <a:solidFill>
-              <a:schemeClr val="accent1"/>
-            </a:solidFill>
-            <a:prstDash val="solid"/>
-            <a:round/>
-            <a:headEnd type="none" w="med" len="med"/>
-            <a:tailEnd type="none" w="med" len="med"/>
-          </a:ln>
         </p:spPr>
-        <p:style>
-          <a:lnRef idx="0">
-            <a:scrgbClr r="0" g="0" b="0"/>
-          </a:lnRef>
-          <a:fillRef idx="0">
-            <a:scrgbClr r="0" g="0" b="0"/>
-          </a:fillRef>
-          <a:effectRef idx="0">
-            <a:scrgbClr r="0" g="0" b="0"/>
-          </a:effectRef>
-          <a:fontRef idx="minor">
-            <a:schemeClr val="accent1"/>
-          </a:fontRef>
-        </p:style>
         <p:txBody>
-          <a:bodyPr rtlCol="0" anchor="ctr"/>
+          <a:bodyPr wrap="square">
+            <a:spAutoFit/>
+          </a:bodyPr>
           <a:lstStyle/>
           <a:p>
-            <a:pPr algn="ctr"/>
-            <a:endParaRPr lang="en-US"/>
+            <a:pPr marL="285750" indent="-285750">
+              <a:buFont typeface="Wingdings" panose="05000000000000000000" pitchFamily="2" charset="2"/>
+              <a:buChar char="Ø"/>
+            </a:pPr>
+            <a:r>
+              <a:rPr lang="en-US" dirty="0"/>
+              <a:t>Download Excel files from </a:t>
+            </a:r>
+            <a:r>
+              <a:rPr lang="en-US" dirty="0" err="1"/>
+              <a:t>Github</a:t>
+            </a:r>
+            <a:r>
+              <a:rPr lang="en-US" dirty="0"/>
+              <a:t> link:</a:t>
+            </a:r>
           </a:p>
-        </p:txBody>
-      </p:sp>
-      <p:sp>
-        <p:nvSpPr>
-          <p:cNvPr id="8" name="Rectangle 7">
-            <a:extLst>
-              <a:ext uri="{FF2B5EF4-FFF2-40B4-BE49-F238E27FC236}">
-                <a16:creationId xmlns:a16="http://schemas.microsoft.com/office/drawing/2014/main" id="{71E60D2A-F817-44F2-A973-3B10E5349FD9}"/>
-              </a:ext>
-            </a:extLst>
-          </p:cNvPr>
-          <p:cNvSpPr/>
-          <p:nvPr/>
-        </p:nvSpPr>
-        <p:spPr>
-          <a:xfrm>
-            <a:off x="5470731" y="2032986"/>
-            <a:ext cx="3204839" cy="3293616"/>
-          </a:xfrm>
-          <a:prstGeom prst="rect">
-            <a:avLst/>
-          </a:prstGeom>
-          <a:noFill/>
-          <a:ln w="76200" cap="flat" cmpd="sng" algn="ctr">
-            <a:solidFill>
-              <a:schemeClr val="accent1"/>
-            </a:solidFill>
-            <a:prstDash val="solid"/>
-            <a:round/>
-            <a:headEnd type="none" w="med" len="med"/>
-            <a:tailEnd type="none" w="med" len="med"/>
-          </a:ln>
-        </p:spPr>
-        <p:style>
-          <a:lnRef idx="0">
-            <a:scrgbClr r="0" g="0" b="0"/>
-          </a:lnRef>
-          <a:fillRef idx="0">
-            <a:scrgbClr r="0" g="0" b="0"/>
-          </a:fillRef>
-          <a:effectRef idx="0">
-            <a:scrgbClr r="0" g="0" b="0"/>
-          </a:effectRef>
-          <a:fontRef idx="minor">
-            <a:schemeClr val="accent1"/>
-          </a:fontRef>
-        </p:style>
-        <p:txBody>
-          <a:bodyPr rtlCol="0" anchor="ctr"/>
-          <a:lstStyle/>
           <a:p>
-            <a:pPr algn="ctr"/>
-            <a:endParaRPr lang="en-US"/>
+            <a:pPr marL="742950" lvl="1" indent="-285750">
+              <a:buFont typeface="Arial" panose="020B0604020202020204" pitchFamily="34" charset="0"/>
+              <a:buChar char="•"/>
+            </a:pPr>
+            <a:r>
+              <a:rPr lang="en-US" dirty="0">
+                <a:hlinkClick r:id="rId2"/>
+              </a:rPr>
+              <a:t>https://github.com/maulik438/data_visualization</a:t>
+            </a:r>
+            <a:endParaRPr lang="en-US" dirty="0"/>
+          </a:p>
+          <a:p>
+            <a:pPr marL="285750" indent="-285750">
+              <a:buFont typeface="Arial" panose="020B0604020202020204" pitchFamily="34" charset="0"/>
+              <a:buChar char="•"/>
+            </a:pPr>
+            <a:endParaRPr lang="en-US" dirty="0"/>
+          </a:p>
+          <a:p>
+            <a:pPr marL="285750" indent="-285750">
+              <a:buFont typeface="Wingdings" panose="05000000000000000000" pitchFamily="2" charset="2"/>
+              <a:buChar char="Ø"/>
+            </a:pPr>
+            <a:r>
+              <a:rPr lang="en-US" dirty="0"/>
+              <a:t>It covers ::</a:t>
+            </a:r>
+          </a:p>
+          <a:p>
+            <a:pPr marL="742950" lvl="1" indent="-285750">
+              <a:buFont typeface="Arial" panose="020B0604020202020204" pitchFamily="34" charset="0"/>
+              <a:buChar char="•"/>
+            </a:pPr>
+            <a:r>
+              <a:rPr lang="en-US" dirty="0"/>
+              <a:t>Basic Excel :: Various graph including Combo graphs</a:t>
+            </a:r>
+          </a:p>
+          <a:p>
+            <a:pPr marL="742950" lvl="1" indent="-285750">
+              <a:buFont typeface="Arial" panose="020B0604020202020204" pitchFamily="34" charset="0"/>
+              <a:buChar char="•"/>
+            </a:pPr>
+            <a:r>
+              <a:rPr lang="en-US" dirty="0"/>
+              <a:t>Advanced Excel :: Power Pivot Usage with example</a:t>
+            </a:r>
           </a:p>
         </p:txBody>
       </p:sp>
@@ -25854,53 +25223,111 @@
             <p:ph idx="1"/>
           </p:nvPr>
         </p:nvSpPr>
-        <p:spPr/>
+        <p:spPr>
+          <a:xfrm>
+            <a:off x="838200" y="1825625"/>
+            <a:ext cx="10515600" cy="2755253"/>
+          </a:xfrm>
+        </p:spPr>
         <p:txBody>
-          <a:bodyPr/>
+          <a:bodyPr>
+            <a:normAutofit/>
+          </a:bodyPr>
           <a:lstStyle/>
           <a:p>
             <a:r>
-              <a:rPr lang="en-US" dirty="0"/>
+              <a:rPr lang="en-US" sz="1800" dirty="0"/>
               <a:t>Access Jupyter notebook from git link</a:t>
             </a:r>
           </a:p>
           <a:p>
             <a:r>
-              <a:rPr lang="en-US" dirty="0"/>
+              <a:rPr lang="en-US" sz="1800" dirty="0"/>
               <a:t>Pre-requisite to run module</a:t>
             </a:r>
           </a:p>
           <a:p>
             <a:pPr lvl="1"/>
             <a:r>
-              <a:rPr lang="en-US" dirty="0"/>
+              <a:rPr lang="en-US" sz="1800" dirty="0"/>
               <a:t>Python environment with </a:t>
             </a:r>
             <a:r>
-              <a:rPr lang="en-US" dirty="0" err="1"/>
+              <a:rPr lang="en-US" sz="1800" dirty="0" err="1"/>
               <a:t>Jupyter</a:t>
             </a:r>
             <a:r>
-              <a:rPr lang="en-US" dirty="0"/>
+              <a:rPr lang="en-US" sz="1800" dirty="0"/>
               <a:t>-notebook</a:t>
             </a:r>
           </a:p>
           <a:p>
             <a:pPr lvl="1"/>
             <a:r>
-              <a:rPr lang="en-US" dirty="0"/>
-              <a:t>Matplotlib</a:t>
+              <a:rPr lang="en-US" sz="1800" dirty="0" err="1"/>
+              <a:t>Numpy</a:t>
             </a:r>
+            <a:r>
+              <a:rPr lang="en-US" sz="1800" dirty="0"/>
+              <a:t>, pandas, Matplotlib, seaborn,  </a:t>
+            </a:r>
+            <a:r>
+              <a:rPr lang="en-US" sz="1800" dirty="0" err="1"/>
+              <a:t>sklearn</a:t>
+            </a:r>
+            <a:r>
+              <a:rPr lang="en-US" sz="1800" dirty="0"/>
+              <a:t>, </a:t>
+            </a:r>
+            <a:r>
+              <a:rPr lang="en-US" sz="1800" dirty="0" err="1"/>
+              <a:t>scipy</a:t>
+            </a:r>
+            <a:r>
+              <a:rPr lang="en-US" sz="1800" dirty="0"/>
+              <a:t>, </a:t>
+            </a:r>
+            <a:r>
+              <a:rPr lang="en-US" sz="1800" dirty="0" err="1"/>
+              <a:t>xgboost</a:t>
+            </a:r>
+            <a:r>
+              <a:rPr lang="en-US" sz="1800" dirty="0"/>
+              <a:t>, </a:t>
+            </a:r>
+            <a:r>
+              <a:rPr lang="en-US" sz="1800" dirty="0" err="1"/>
+              <a:t>shap</a:t>
+            </a:r>
+            <a:endParaRPr lang="en-US" sz="1800" dirty="0"/>
+          </a:p>
+          <a:p>
+            <a:endParaRPr lang="en-US" sz="1800" dirty="0"/>
           </a:p>
           <a:p>
             <a:r>
-              <a:rPr lang="en-US" dirty="0"/>
-              <a:t>Open Jupyter-notebook and open ‘’ file</a:t>
+              <a:rPr lang="en-US" sz="1800" dirty="0"/>
+              <a:t>It covers ::</a:t>
             </a:r>
           </a:p>
           <a:p>
             <a:pPr lvl="1"/>
-            <a:endParaRPr lang="en-US" dirty="0"/>
+            <a:r>
+              <a:rPr lang="en-US" sz="1800" dirty="0"/>
+              <a:t>Various plots using Matplotlib and seaborn </a:t>
+            </a:r>
+          </a:p>
+          <a:p>
+            <a:pPr lvl="1"/>
+            <a:r>
+              <a:rPr lang="en-US" sz="1800" dirty="0"/>
+              <a:t>SHAP feature </a:t>
+            </a:r>
+            <a:r>
+              <a:rPr lang="en-US" sz="1800" dirty="0" err="1"/>
+              <a:t>analyser</a:t>
+            </a:r>
+            <a:endParaRPr lang="en-US" sz="1800" dirty="0"/>
           </a:p>
         </p:txBody>
       </p:sp>
